--- a/Stack Overflow POS Tagger.pptx
+++ b/Stack Overflow POS Tagger.pptx
@@ -12,9 +12,10 @@
     <p:sldId id="260" r:id="rId6"/>
     <p:sldId id="262" r:id="rId7"/>
     <p:sldId id="261" r:id="rId8"/>
+    <p:sldId id="263" r:id="rId9"/>
   </p:sldIdLst>
   <p:sldSz cx="12192000" cy="6858000"/>
-  <p:notesSz cx="6858000" cy="9144000"/>
+  <p:notesSz cx="6797675" cy="9874250"/>
   <p:defaultTextStyle>
     <a:defPPr>
       <a:defRPr lang="en-US"/>
@@ -249,7 +250,7 @@
           <a:p>
             <a:fld id="{FECA3DE8-BC66-4086-A6EF-AB0532B957F8}" type="datetimeFigureOut">
               <a:rPr lang="en-SG" smtClean="0"/>
-              <a:t>12/8/2015</a:t>
+              <a:t>21/8/2015</a:t>
             </a:fld>
             <a:endParaRPr lang="en-SG"/>
           </a:p>
@@ -419,7 +420,7 @@
           <a:p>
             <a:fld id="{FECA3DE8-BC66-4086-A6EF-AB0532B957F8}" type="datetimeFigureOut">
               <a:rPr lang="en-SG" smtClean="0"/>
-              <a:t>12/8/2015</a:t>
+              <a:t>21/8/2015</a:t>
             </a:fld>
             <a:endParaRPr lang="en-SG"/>
           </a:p>
@@ -599,7 +600,7 @@
           <a:p>
             <a:fld id="{FECA3DE8-BC66-4086-A6EF-AB0532B957F8}" type="datetimeFigureOut">
               <a:rPr lang="en-SG" smtClean="0"/>
-              <a:t>12/8/2015</a:t>
+              <a:t>21/8/2015</a:t>
             </a:fld>
             <a:endParaRPr lang="en-SG"/>
           </a:p>
@@ -769,7 +770,7 @@
           <a:p>
             <a:fld id="{FECA3DE8-BC66-4086-A6EF-AB0532B957F8}" type="datetimeFigureOut">
               <a:rPr lang="en-SG" smtClean="0"/>
-              <a:t>12/8/2015</a:t>
+              <a:t>21/8/2015</a:t>
             </a:fld>
             <a:endParaRPr lang="en-SG"/>
           </a:p>
@@ -1015,7 +1016,7 @@
           <a:p>
             <a:fld id="{FECA3DE8-BC66-4086-A6EF-AB0532B957F8}" type="datetimeFigureOut">
               <a:rPr lang="en-SG" smtClean="0"/>
-              <a:t>12/8/2015</a:t>
+              <a:t>21/8/2015</a:t>
             </a:fld>
             <a:endParaRPr lang="en-SG"/>
           </a:p>
@@ -1247,7 +1248,7 @@
           <a:p>
             <a:fld id="{FECA3DE8-BC66-4086-A6EF-AB0532B957F8}" type="datetimeFigureOut">
               <a:rPr lang="en-SG" smtClean="0"/>
-              <a:t>12/8/2015</a:t>
+              <a:t>21/8/2015</a:t>
             </a:fld>
             <a:endParaRPr lang="en-SG"/>
           </a:p>
@@ -1614,7 +1615,7 @@
           <a:p>
             <a:fld id="{FECA3DE8-BC66-4086-A6EF-AB0532B957F8}" type="datetimeFigureOut">
               <a:rPr lang="en-SG" smtClean="0"/>
-              <a:t>12/8/2015</a:t>
+              <a:t>21/8/2015</a:t>
             </a:fld>
             <a:endParaRPr lang="en-SG"/>
           </a:p>
@@ -1732,7 +1733,7 @@
           <a:p>
             <a:fld id="{FECA3DE8-BC66-4086-A6EF-AB0532B957F8}" type="datetimeFigureOut">
               <a:rPr lang="en-SG" smtClean="0"/>
-              <a:t>12/8/2015</a:t>
+              <a:t>21/8/2015</a:t>
             </a:fld>
             <a:endParaRPr lang="en-SG"/>
           </a:p>
@@ -1827,7 +1828,7 @@
           <a:p>
             <a:fld id="{FECA3DE8-BC66-4086-A6EF-AB0532B957F8}" type="datetimeFigureOut">
               <a:rPr lang="en-SG" smtClean="0"/>
-              <a:t>12/8/2015</a:t>
+              <a:t>21/8/2015</a:t>
             </a:fld>
             <a:endParaRPr lang="en-SG"/>
           </a:p>
@@ -2104,7 +2105,7 @@
           <a:p>
             <a:fld id="{FECA3DE8-BC66-4086-A6EF-AB0532B957F8}" type="datetimeFigureOut">
               <a:rPr lang="en-SG" smtClean="0"/>
-              <a:t>12/8/2015</a:t>
+              <a:t>21/8/2015</a:t>
             </a:fld>
             <a:endParaRPr lang="en-SG"/>
           </a:p>
@@ -2357,7 +2358,7 @@
           <a:p>
             <a:fld id="{FECA3DE8-BC66-4086-A6EF-AB0532B957F8}" type="datetimeFigureOut">
               <a:rPr lang="en-SG" smtClean="0"/>
-              <a:t>12/8/2015</a:t>
+              <a:t>21/8/2015</a:t>
             </a:fld>
             <a:endParaRPr lang="en-SG"/>
           </a:p>
@@ -2570,7 +2571,7 @@
           <a:p>
             <a:fld id="{FECA3DE8-BC66-4086-A6EF-AB0532B957F8}" type="datetimeFigureOut">
               <a:rPr lang="en-SG" smtClean="0"/>
-              <a:t>12/8/2015</a:t>
+              <a:t>21/8/2015</a:t>
             </a:fld>
             <a:endParaRPr lang="en-SG"/>
           </a:p>
@@ -3815,6 +3816,195 @@
 </p:sld>
 </file>
 
+<file path=ppt/slides/slide8.xml><?xml version="1.0" encoding="utf-8"?>
+<p:sld xmlns:a="http://schemas.openxmlformats.org/drawingml/2006/main" xmlns:r="http://schemas.openxmlformats.org/officeDocument/2006/relationships" xmlns:p="http://schemas.openxmlformats.org/presentationml/2006/main">
+  <p:cSld>
+    <p:spTree>
+      <p:nvGrpSpPr>
+        <p:cNvPr id="1" name=""/>
+        <p:cNvGrpSpPr/>
+        <p:nvPr/>
+      </p:nvGrpSpPr>
+      <p:grpSpPr>
+        <a:xfrm>
+          <a:off x="0" y="0"/>
+          <a:ext cx="0" cy="0"/>
+          <a:chOff x="0" y="0"/>
+          <a:chExt cx="0" cy="0"/>
+        </a:xfrm>
+      </p:grpSpPr>
+      <p:sp>
+        <p:nvSpPr>
+          <p:cNvPr id="2" name="Title 1"/>
+          <p:cNvSpPr>
+            <a:spLocks noGrp="1"/>
+          </p:cNvSpPr>
+          <p:nvPr>
+            <p:ph type="title"/>
+          </p:nvPr>
+        </p:nvSpPr>
+        <p:spPr>
+          <a:xfrm>
+            <a:off x="187411" y="918267"/>
+            <a:ext cx="2910016" cy="731745"/>
+          </a:xfrm>
+        </p:spPr>
+        <p:txBody>
+          <a:bodyPr>
+            <a:normAutofit/>
+          </a:bodyPr>
+          <a:lstStyle/>
+          <a:p>
+            <a:r>
+              <a:rPr lang="en-US" sz="3200" dirty="0" smtClean="0"/>
+              <a:t>Our </a:t>
+            </a:r>
+            <a:r>
+              <a:rPr lang="en-US" sz="3200" dirty="0" err="1" smtClean="0"/>
+              <a:t>tagset</a:t>
+            </a:r>
+            <a:endParaRPr lang="en-SG" sz="3200" dirty="0"/>
+          </a:p>
+        </p:txBody>
+      </p:sp>
+      <p:pic>
+        <p:nvPicPr>
+          <p:cNvPr id="4" name="Picture 3"/>
+          <p:cNvPicPr>
+            <a:picLocks noChangeAspect="1"/>
+          </p:cNvPicPr>
+          <p:nvPr/>
+        </p:nvPicPr>
+        <p:blipFill>
+          <a:blip r:embed="rId2"/>
+          <a:stretch>
+            <a:fillRect/>
+          </a:stretch>
+        </p:blipFill>
+        <p:spPr>
+          <a:xfrm>
+            <a:off x="1031403" y="1650012"/>
+            <a:ext cx="3586097" cy="4091762"/>
+          </a:xfrm>
+          <a:prstGeom prst="rect">
+            <a:avLst/>
+          </a:prstGeom>
+        </p:spPr>
+      </p:pic>
+      <p:pic>
+        <p:nvPicPr>
+          <p:cNvPr id="5" name="Picture 4"/>
+          <p:cNvPicPr>
+            <a:picLocks noChangeAspect="1"/>
+          </p:cNvPicPr>
+          <p:nvPr/>
+        </p:nvPicPr>
+        <p:blipFill>
+          <a:blip r:embed="rId3"/>
+          <a:stretch>
+            <a:fillRect/>
+          </a:stretch>
+        </p:blipFill>
+        <p:spPr>
+          <a:xfrm>
+            <a:off x="7174753" y="-13567"/>
+            <a:ext cx="4440598" cy="4758565"/>
+          </a:xfrm>
+          <a:prstGeom prst="rect">
+            <a:avLst/>
+          </a:prstGeom>
+        </p:spPr>
+      </p:pic>
+      <p:pic>
+        <p:nvPicPr>
+          <p:cNvPr id="6" name="Picture 5"/>
+          <p:cNvPicPr>
+            <a:picLocks noChangeAspect="1"/>
+          </p:cNvPicPr>
+          <p:nvPr/>
+        </p:nvPicPr>
+        <p:blipFill>
+          <a:blip r:embed="rId4"/>
+          <a:stretch>
+            <a:fillRect/>
+          </a:stretch>
+        </p:blipFill>
+        <p:spPr>
+          <a:xfrm>
+            <a:off x="7175853" y="4720283"/>
+            <a:ext cx="4439497" cy="2159160"/>
+          </a:xfrm>
+          <a:prstGeom prst="rect">
+            <a:avLst/>
+          </a:prstGeom>
+        </p:spPr>
+      </p:pic>
+      <p:sp>
+        <p:nvSpPr>
+          <p:cNvPr id="7" name="Title 1"/>
+          <p:cNvSpPr txBox="1">
+            <a:spLocks/>
+          </p:cNvSpPr>
+          <p:nvPr/>
+        </p:nvSpPr>
+        <p:spPr>
+          <a:xfrm>
+            <a:off x="5309474" y="918267"/>
+            <a:ext cx="2910016" cy="731745"/>
+          </a:xfrm>
+          <a:prstGeom prst="rect">
+            <a:avLst/>
+          </a:prstGeom>
+        </p:spPr>
+        <p:txBody>
+          <a:bodyPr vert="horz" lIns="91440" tIns="45720" rIns="91440" bIns="45720" rtlCol="0" anchor="ctr">
+            <a:normAutofit/>
+          </a:bodyPr>
+          <a:lstStyle>
+            <a:lvl1pPr algn="l" defTabSz="914400" rtl="0" eaLnBrk="1" latinLnBrk="0" hangingPunct="1">
+              <a:lnSpc>
+                <a:spcPct val="90000"/>
+              </a:lnSpc>
+              <a:spcBef>
+                <a:spcPct val="0"/>
+              </a:spcBef>
+              <a:buNone/>
+              <a:defRPr sz="4400" kern="1200">
+                <a:solidFill>
+                  <a:schemeClr val="tx1"/>
+                </a:solidFill>
+                <a:latin typeface="+mj-lt"/>
+                <a:ea typeface="+mj-ea"/>
+                <a:cs typeface="+mj-cs"/>
+              </a:defRPr>
+            </a:lvl1pPr>
+          </a:lstStyle>
+          <a:p>
+            <a:r>
+              <a:rPr lang="en-US" sz="3200" dirty="0" smtClean="0"/>
+              <a:t>PTB </a:t>
+            </a:r>
+            <a:r>
+              <a:rPr lang="en-US" sz="3200" dirty="0" err="1" smtClean="0"/>
+              <a:t>tagset</a:t>
+            </a:r>
+            <a:endParaRPr lang="en-SG" sz="3200" dirty="0"/>
+          </a:p>
+        </p:txBody>
+      </p:sp>
+    </p:spTree>
+    <p:extLst>
+      <p:ext uri="{BB962C8B-B14F-4D97-AF65-F5344CB8AC3E}">
+        <p14:creationId xmlns:p14="http://schemas.microsoft.com/office/powerpoint/2010/main" val="2296375263"/>
+      </p:ext>
+    </p:extLst>
+  </p:cSld>
+  <p:clrMapOvr>
+    <a:masterClrMapping/>
+  </p:clrMapOvr>
+</p:sld>
+</file>
+
 <file path=ppt/theme/theme1.xml><?xml version="1.0" encoding="utf-8"?>
 <a:theme xmlns:a="http://schemas.openxmlformats.org/drawingml/2006/main" name="Office Theme">
   <a:themeElements>

--- a/Stack Overflow POS Tagger.pptx
+++ b/Stack Overflow POS Tagger.pptx
@@ -3501,6 +3501,13 @@
   <p:clrMapOvr>
     <a:masterClrMapping/>
   </p:clrMapOvr>
+  <p:timing>
+    <p:tnLst>
+      <p:par>
+        <p:cTn id="1" dur="indefinite" restart="never" nodeType="tmRoot"/>
+      </p:par>
+    </p:tnLst>
+  </p:timing>
 </p:sld>
 </file>
 
@@ -3556,12 +3563,12 @@
         </p:nvSpPr>
         <p:spPr/>
         <p:txBody>
-          <a:bodyPr/>
-          <a:lstStyle/>
-          <a:p>
-            <a:endParaRPr lang="en-SG" dirty="0" smtClean="0">
-              <a:hlinkClick r:id="rId2"/>
-            </a:endParaRPr>
+          <a:bodyPr>
+            <a:normAutofit lnSpcReduction="10000"/>
+          </a:bodyPr>
+          <a:lstStyle/>
+          <a:p>
+            <a:endParaRPr lang="en-SG" dirty="0" smtClean="0"/>
           </a:p>
           <a:p>
             <a:r>
@@ -3580,8 +3587,11 @@
               <a:rPr lang="en-SG" dirty="0" smtClean="0">
                 <a:hlinkClick r:id="rId2"/>
               </a:rPr>
-              <a:t>155.69.149.119/stackoverflow-annotator/pos.php?split=GroupTask1&amp;from=0&amp;to=1&amp;perpage=1</a:t>
-            </a:r>
+              <a:t>155.69.149.119/stackoverflow-annotator/pos.php?split=GroupTask1&amp;from=0&amp;to=100&amp;perpage=100</a:t>
+            </a:r>
+            <a:endParaRPr lang="en-SG" dirty="0" smtClean="0"/>
+          </a:p>
+          <a:p>
             <a:endParaRPr lang="en-SG" dirty="0" smtClean="0"/>
           </a:p>
           <a:p>
@@ -3602,11 +3612,28 @@
             </a:r>
             <a:r>
               <a:rPr lang="en-US" dirty="0" smtClean="0"/>
-              <a:t> into your own name</a:t>
-            </a:r>
+              <a:t> into </a:t>
+            </a:r>
+            <a:r>
+              <a:rPr lang="en-US" dirty="0" smtClean="0"/>
+              <a:t>“[your name]/[your name][</a:t>
+            </a:r>
+            <a:r>
+              <a:rPr lang="en-US" dirty="0" err="1" smtClean="0"/>
+              <a:t>TaskNo</a:t>
+            </a:r>
+            <a:r>
+              <a:rPr lang="en-US" dirty="0" smtClean="0"/>
+              <a:t>.]”</a:t>
+            </a:r>
+            <a:endParaRPr lang="en-US" dirty="0" smtClean="0"/>
           </a:p>
           <a:p>
             <a:pPr lvl="1"/>
+            <a:r>
+              <a:rPr lang="en-US" dirty="0" smtClean="0"/>
+              <a:t>Your name = </a:t>
+            </a:r>
             <a:r>
               <a:rPr lang="en-US" dirty="0" err="1" smtClean="0"/>
               <a:t>lijing</a:t>
@@ -3637,11 +3664,34 @@
             </a:r>
             <a:r>
               <a:rPr lang="en-US" dirty="0" smtClean="0"/>
-              <a:t>, Lingfeng, Prakash, Zhenchang </a:t>
-            </a:r>
-            <a:r>
-              <a:rPr lang="en-US" smtClean="0"/>
-              <a:t>– all in lower case</a:t>
+              <a:t>, </a:t>
+            </a:r>
+            <a:r>
+              <a:rPr lang="en-US" dirty="0" smtClean="0"/>
+              <a:t>Lingfeng, </a:t>
+            </a:r>
+            <a:r>
+              <a:rPr lang="en-US" dirty="0" smtClean="0"/>
+              <a:t>Zhenchang – all in lower </a:t>
+            </a:r>
+            <a:r>
+              <a:rPr lang="en-US" dirty="0" smtClean="0"/>
+              <a:t>case</a:t>
+            </a:r>
+          </a:p>
+          <a:p>
+            <a:pPr lvl="1"/>
+            <a:r>
+              <a:rPr lang="en-US" dirty="0" err="1" smtClean="0"/>
+              <a:t>TaskNo</a:t>
+            </a:r>
+            <a:r>
+              <a:rPr lang="en-US" dirty="0" smtClean="0"/>
+              <a:t>. </a:t>
+            </a:r>
+            <a:r>
+              <a:rPr lang="en-US" smtClean="0"/>
+              <a:t>= 1 2 3 … 20</a:t>
             </a:r>
             <a:endParaRPr lang="en-SG" dirty="0"/>
           </a:p>
@@ -3657,6 +3707,13 @@
   <p:clrMapOvr>
     <a:masterClrMapping/>
   </p:clrMapOvr>
+  <p:timing>
+    <p:tnLst>
+      <p:par>
+        <p:cTn id="1" dur="indefinite" restart="never" nodeType="tmRoot"/>
+      </p:par>
+    </p:tnLst>
+  </p:timing>
 </p:sld>
 </file>
 

--- a/Stack Overflow POS Tagger.pptx
+++ b/Stack Overflow POS Tagger.pptx
@@ -3612,11 +3612,7 @@
             </a:r>
             <a:r>
               <a:rPr lang="en-US" dirty="0" smtClean="0"/>
-              <a:t> into </a:t>
-            </a:r>
-            <a:r>
-              <a:rPr lang="en-US" dirty="0" smtClean="0"/>
-              <a:t>“[your name]/[your name][</a:t>
+              <a:t> into “[your name]/[your name][</a:t>
             </a:r>
             <a:r>
               <a:rPr lang="en-US" dirty="0" err="1" smtClean="0"/>
@@ -3626,7 +3622,6 @@
               <a:rPr lang="en-US" dirty="0" smtClean="0"/>
               <a:t>.]”</a:t>
             </a:r>
-            <a:endParaRPr lang="en-US" dirty="0" smtClean="0"/>
           </a:p>
           <a:p>
             <a:pPr lvl="1"/>
@@ -3664,19 +3659,7 @@
             </a:r>
             <a:r>
               <a:rPr lang="en-US" dirty="0" smtClean="0"/>
-              <a:t>, </a:t>
-            </a:r>
-            <a:r>
-              <a:rPr lang="en-US" dirty="0" smtClean="0"/>
-              <a:t>Lingfeng, </a:t>
-            </a:r>
-            <a:r>
-              <a:rPr lang="en-US" dirty="0" smtClean="0"/>
-              <a:t>Zhenchang – all in lower </a:t>
-            </a:r>
-            <a:r>
-              <a:rPr lang="en-US" dirty="0" smtClean="0"/>
-              <a:t>case</a:t>
+              <a:t>, Lingfeng, Zhenchang – all in lower case</a:t>
             </a:r>
           </a:p>
           <a:p>
@@ -3926,7 +3909,7 @@
       </p:sp>
       <p:pic>
         <p:nvPicPr>
-          <p:cNvPr id="4" name="Picture 3"/>
+          <p:cNvPr id="5" name="Picture 4"/>
           <p:cNvPicPr>
             <a:picLocks noChangeAspect="1"/>
           </p:cNvPicPr>
@@ -3934,30 +3917,6 @@
         </p:nvPicPr>
         <p:blipFill>
           <a:blip r:embed="rId2"/>
-          <a:stretch>
-            <a:fillRect/>
-          </a:stretch>
-        </p:blipFill>
-        <p:spPr>
-          <a:xfrm>
-            <a:off x="1031403" y="1650012"/>
-            <a:ext cx="3586097" cy="4091762"/>
-          </a:xfrm>
-          <a:prstGeom prst="rect">
-            <a:avLst/>
-          </a:prstGeom>
-        </p:spPr>
-      </p:pic>
-      <p:pic>
-        <p:nvPicPr>
-          <p:cNvPr id="5" name="Picture 4"/>
-          <p:cNvPicPr>
-            <a:picLocks noChangeAspect="1"/>
-          </p:cNvPicPr>
-          <p:nvPr/>
-        </p:nvPicPr>
-        <p:blipFill>
-          <a:blip r:embed="rId3"/>
           <a:stretch>
             <a:fillRect/>
           </a:stretch>
@@ -3981,7 +3940,7 @@
           <p:nvPr/>
         </p:nvPicPr>
         <p:blipFill>
-          <a:blip r:embed="rId4"/>
+          <a:blip r:embed="rId3"/>
           <a:stretch>
             <a:fillRect/>
           </a:stretch>
@@ -4049,6 +4008,30 @@
           </a:p>
         </p:txBody>
       </p:sp>
+      <p:pic>
+        <p:nvPicPr>
+          <p:cNvPr id="8" name="Picture 7"/>
+          <p:cNvPicPr>
+            <a:picLocks noChangeAspect="1"/>
+          </p:cNvPicPr>
+          <p:nvPr/>
+        </p:nvPicPr>
+        <p:blipFill>
+          <a:blip r:embed="rId4"/>
+          <a:stretch>
+            <a:fillRect/>
+          </a:stretch>
+        </p:blipFill>
+        <p:spPr>
+          <a:xfrm>
+            <a:off x="924440" y="1728530"/>
+            <a:ext cx="3649387" cy="4581654"/>
+          </a:xfrm>
+          <a:prstGeom prst="rect">
+            <a:avLst/>
+          </a:prstGeom>
+        </p:spPr>
+      </p:pic>
     </p:spTree>
     <p:extLst>
       <p:ext uri="{BB962C8B-B14F-4D97-AF65-F5344CB8AC3E}">
